--- a/logos/LOGO_.pptx
+++ b/logos/LOGO_.pptx
@@ -3991,6 +3991,58 @@
           <a:chExt cx="0" cy="0"/>
         </a:xfrm>
       </p:grpSpPr>
+      <p:sp>
+        <p:nvSpPr>
+          <p:cNvPr id="15" name="Rectangle 14">
+            <a:extLst>
+              <a:ext uri="{FF2B5EF4-FFF2-40B4-BE49-F238E27FC236}">
+                <a16:creationId xmlns:a16="http://schemas.microsoft.com/office/drawing/2014/main" id="{5F6C3FE6-85F5-5D89-4049-281F9D02DABF}"/>
+              </a:ext>
+            </a:extLst>
+          </p:cNvPr>
+          <p:cNvSpPr/>
+          <p:nvPr/>
+        </p:nvSpPr>
+        <p:spPr>
+          <a:xfrm>
+            <a:off x="8118418" y="1382639"/>
+            <a:ext cx="2880000" cy="2880000"/>
+          </a:xfrm>
+          <a:prstGeom prst="rect">
+            <a:avLst/>
+          </a:prstGeom>
+          <a:solidFill>
+            <a:schemeClr val="bg1"/>
+          </a:solidFill>
+          <a:ln>
+            <a:noFill/>
+          </a:ln>
+        </p:spPr>
+        <p:style>
+          <a:lnRef idx="2">
+            <a:schemeClr val="accent1">
+              <a:shade val="50000"/>
+            </a:schemeClr>
+          </a:lnRef>
+          <a:fillRef idx="1">
+            <a:schemeClr val="accent1"/>
+          </a:fillRef>
+          <a:effectRef idx="0">
+            <a:schemeClr val="accent1"/>
+          </a:effectRef>
+          <a:fontRef idx="minor">
+            <a:schemeClr val="lt1"/>
+          </a:fontRef>
+        </p:style>
+        <p:txBody>
+          <a:bodyPr rtlCol="0" anchor="ctr"/>
+          <a:lstStyle/>
+          <a:p>
+            <a:pPr algn="ctr"/>
+            <a:endParaRPr lang="en-IN"/>
+          </a:p>
+        </p:txBody>
+      </p:sp>
       <p:grpSp>
         <p:nvGrpSpPr>
           <p:cNvPr id="4" name="Group 3">
@@ -4325,6 +4377,838 @@
             <a:p>
               <a:pPr algn="ctr"/>
               <a:endParaRPr lang="en-IN" dirty="0"/>
+            </a:p>
+          </p:txBody>
+        </p:sp>
+      </p:grpSp>
+      <p:grpSp>
+        <p:nvGrpSpPr>
+          <p:cNvPr id="9" name="Group 8">
+            <a:extLst>
+              <a:ext uri="{FF2B5EF4-FFF2-40B4-BE49-F238E27FC236}">
+                <a16:creationId xmlns:a16="http://schemas.microsoft.com/office/drawing/2014/main" id="{8FEBA8F8-3FF3-B96D-1B38-7A2A394D1A58}"/>
+              </a:ext>
+            </a:extLst>
+          </p:cNvPr>
+          <p:cNvGrpSpPr/>
+          <p:nvPr/>
+        </p:nvGrpSpPr>
+        <p:grpSpPr>
+          <a:xfrm>
+            <a:off x="5595526" y="1937263"/>
+            <a:ext cx="1770753" cy="1770753"/>
+            <a:chOff x="5595526" y="1937263"/>
+            <a:chExt cx="1770753" cy="1770753"/>
+          </a:xfrm>
+        </p:grpSpPr>
+        <p:grpSp>
+          <p:nvGrpSpPr>
+            <p:cNvPr id="5" name="Group 4">
+              <a:extLst>
+                <a:ext uri="{FF2B5EF4-FFF2-40B4-BE49-F238E27FC236}">
+                  <a16:creationId xmlns:a16="http://schemas.microsoft.com/office/drawing/2014/main" id="{6E379B42-1877-1D1A-83C2-49D141523A35}"/>
+                </a:ext>
+              </a:extLst>
+            </p:cNvPr>
+            <p:cNvGrpSpPr/>
+            <p:nvPr/>
+          </p:nvGrpSpPr>
+          <p:grpSpPr>
+            <a:xfrm>
+              <a:off x="5595526" y="1937263"/>
+              <a:ext cx="1770753" cy="1770753"/>
+              <a:chOff x="1748203" y="2055451"/>
+              <a:chExt cx="1770753" cy="1770753"/>
+            </a:xfrm>
+          </p:grpSpPr>
+          <p:sp>
+            <p:nvSpPr>
+              <p:cNvPr id="6" name="Rectangle: Rounded Corners 5">
+                <a:extLst>
+                  <a:ext uri="{FF2B5EF4-FFF2-40B4-BE49-F238E27FC236}">
+                    <a16:creationId xmlns:a16="http://schemas.microsoft.com/office/drawing/2014/main" id="{1B1D24FA-4F1E-9451-015C-873EA9768592}"/>
+                  </a:ext>
+                </a:extLst>
+              </p:cNvPr>
+              <p:cNvSpPr/>
+              <p:nvPr/>
+            </p:nvSpPr>
+            <p:spPr>
+              <a:xfrm>
+                <a:off x="1748203" y="2055451"/>
+                <a:ext cx="1770753" cy="1770753"/>
+              </a:xfrm>
+              <a:prstGeom prst="roundRect">
+                <a:avLst>
+                  <a:gd name="adj" fmla="val 11065"/>
+                </a:avLst>
+              </a:prstGeom>
+              <a:solidFill>
+                <a:schemeClr val="bg1"/>
+              </a:solidFill>
+              <a:ln>
+                <a:solidFill>
+                  <a:srgbClr val="695E93"/>
+                </a:solidFill>
+              </a:ln>
+            </p:spPr>
+            <p:style>
+              <a:lnRef idx="2">
+                <a:schemeClr val="accent1">
+                  <a:shade val="50000"/>
+                </a:schemeClr>
+              </a:lnRef>
+              <a:fillRef idx="1">
+                <a:schemeClr val="accent1"/>
+              </a:fillRef>
+              <a:effectRef idx="0">
+                <a:schemeClr val="accent1"/>
+              </a:effectRef>
+              <a:fontRef idx="minor">
+                <a:schemeClr val="lt1"/>
+              </a:fontRef>
+            </p:style>
+            <p:txBody>
+              <a:bodyPr rtlCol="0" anchor="ctr"/>
+              <a:lstStyle/>
+              <a:p>
+                <a:pPr algn="ctr"/>
+                <a:endParaRPr lang="en-IN" dirty="0">
+                  <a:solidFill>
+                    <a:srgbClr val="8155BA"/>
+                  </a:solidFill>
+                </a:endParaRPr>
+              </a:p>
+            </p:txBody>
+          </p:sp>
+          <p:sp>
+            <p:nvSpPr>
+              <p:cNvPr id="7" name="Hexagon 10">
+                <a:extLst>
+                  <a:ext uri="{FF2B5EF4-FFF2-40B4-BE49-F238E27FC236}">
+                    <a16:creationId xmlns:a16="http://schemas.microsoft.com/office/drawing/2014/main" id="{6428EE62-1660-BAFC-00C7-7D0AE0F4A282}"/>
+                  </a:ext>
+                </a:extLst>
+              </p:cNvPr>
+              <p:cNvSpPr/>
+              <p:nvPr/>
+            </p:nvSpPr>
+            <p:spPr>
+              <a:xfrm>
+                <a:off x="2195008" y="2171395"/>
+                <a:ext cx="877139" cy="1235868"/>
+              </a:xfrm>
+              <a:custGeom>
+                <a:avLst/>
+                <a:gdLst>
+                  <a:gd name="connsiteX0" fmla="*/ 0 w 3238500"/>
+                  <a:gd name="connsiteY0" fmla="*/ 1405890 h 2811780"/>
+                  <a:gd name="connsiteX1" fmla="*/ 506739 w 3238500"/>
+                  <a:gd name="connsiteY1" fmla="*/ 1 h 2811780"/>
+                  <a:gd name="connsiteX2" fmla="*/ 2731761 w 3238500"/>
+                  <a:gd name="connsiteY2" fmla="*/ 1 h 2811780"/>
+                  <a:gd name="connsiteX3" fmla="*/ 3238500 w 3238500"/>
+                  <a:gd name="connsiteY3" fmla="*/ 1405890 h 2811780"/>
+                  <a:gd name="connsiteX4" fmla="*/ 2731761 w 3238500"/>
+                  <a:gd name="connsiteY4" fmla="*/ 2811779 h 2811780"/>
+                  <a:gd name="connsiteX5" fmla="*/ 506739 w 3238500"/>
+                  <a:gd name="connsiteY5" fmla="*/ 2811779 h 2811780"/>
+                  <a:gd name="connsiteX6" fmla="*/ 0 w 3238500"/>
+                  <a:gd name="connsiteY6" fmla="*/ 1405890 h 2811780"/>
+                  <a:gd name="connsiteX0" fmla="*/ 87621 w 3326121"/>
+                  <a:gd name="connsiteY0" fmla="*/ 1802129 h 3208018"/>
+                  <a:gd name="connsiteX1" fmla="*/ 0 w 3326121"/>
+                  <a:gd name="connsiteY1" fmla="*/ 0 h 3208018"/>
+                  <a:gd name="connsiteX2" fmla="*/ 2819382 w 3326121"/>
+                  <a:gd name="connsiteY2" fmla="*/ 396240 h 3208018"/>
+                  <a:gd name="connsiteX3" fmla="*/ 3326121 w 3326121"/>
+                  <a:gd name="connsiteY3" fmla="*/ 1802129 h 3208018"/>
+                  <a:gd name="connsiteX4" fmla="*/ 2819382 w 3326121"/>
+                  <a:gd name="connsiteY4" fmla="*/ 3208018 h 3208018"/>
+                  <a:gd name="connsiteX5" fmla="*/ 594360 w 3326121"/>
+                  <a:gd name="connsiteY5" fmla="*/ 3208018 h 3208018"/>
+                  <a:gd name="connsiteX6" fmla="*/ 87621 w 3326121"/>
+                  <a:gd name="connsiteY6" fmla="*/ 1802129 h 3208018"/>
+                  <a:gd name="connsiteX0" fmla="*/ 94765 w 3333265"/>
+                  <a:gd name="connsiteY0" fmla="*/ 1823560 h 3229449"/>
+                  <a:gd name="connsiteX1" fmla="*/ 0 w 3333265"/>
+                  <a:gd name="connsiteY1" fmla="*/ 0 h 3229449"/>
+                  <a:gd name="connsiteX2" fmla="*/ 2826526 w 3333265"/>
+                  <a:gd name="connsiteY2" fmla="*/ 417671 h 3229449"/>
+                  <a:gd name="connsiteX3" fmla="*/ 3333265 w 3333265"/>
+                  <a:gd name="connsiteY3" fmla="*/ 1823560 h 3229449"/>
+                  <a:gd name="connsiteX4" fmla="*/ 2826526 w 3333265"/>
+                  <a:gd name="connsiteY4" fmla="*/ 3229449 h 3229449"/>
+                  <a:gd name="connsiteX5" fmla="*/ 601504 w 3333265"/>
+                  <a:gd name="connsiteY5" fmla="*/ 3229449 h 3229449"/>
+                  <a:gd name="connsiteX6" fmla="*/ 94765 w 3333265"/>
+                  <a:gd name="connsiteY6" fmla="*/ 1823560 h 3229449"/>
+                  <a:gd name="connsiteX0" fmla="*/ 99527 w 3338027"/>
+                  <a:gd name="connsiteY0" fmla="*/ 1828322 h 3234211"/>
+                  <a:gd name="connsiteX1" fmla="*/ 0 w 3338027"/>
+                  <a:gd name="connsiteY1" fmla="*/ 0 h 3234211"/>
+                  <a:gd name="connsiteX2" fmla="*/ 2831288 w 3338027"/>
+                  <a:gd name="connsiteY2" fmla="*/ 422433 h 3234211"/>
+                  <a:gd name="connsiteX3" fmla="*/ 3338027 w 3338027"/>
+                  <a:gd name="connsiteY3" fmla="*/ 1828322 h 3234211"/>
+                  <a:gd name="connsiteX4" fmla="*/ 2831288 w 3338027"/>
+                  <a:gd name="connsiteY4" fmla="*/ 3234211 h 3234211"/>
+                  <a:gd name="connsiteX5" fmla="*/ 606266 w 3338027"/>
+                  <a:gd name="connsiteY5" fmla="*/ 3234211 h 3234211"/>
+                  <a:gd name="connsiteX6" fmla="*/ 99527 w 3338027"/>
+                  <a:gd name="connsiteY6" fmla="*/ 1828322 h 3234211"/>
+                  <a:gd name="connsiteX0" fmla="*/ 99527 w 3338027"/>
+                  <a:gd name="connsiteY0" fmla="*/ 1977389 h 3383278"/>
+                  <a:gd name="connsiteX1" fmla="*/ 0 w 3338027"/>
+                  <a:gd name="connsiteY1" fmla="*/ 149067 h 3383278"/>
+                  <a:gd name="connsiteX2" fmla="*/ 1912125 w 3338027"/>
+                  <a:gd name="connsiteY2" fmla="*/ 0 h 3383278"/>
+                  <a:gd name="connsiteX3" fmla="*/ 3338027 w 3338027"/>
+                  <a:gd name="connsiteY3" fmla="*/ 1977389 h 3383278"/>
+                  <a:gd name="connsiteX4" fmla="*/ 2831288 w 3338027"/>
+                  <a:gd name="connsiteY4" fmla="*/ 3383278 h 3383278"/>
+                  <a:gd name="connsiteX5" fmla="*/ 606266 w 3338027"/>
+                  <a:gd name="connsiteY5" fmla="*/ 3383278 h 3383278"/>
+                  <a:gd name="connsiteX6" fmla="*/ 99527 w 3338027"/>
+                  <a:gd name="connsiteY6" fmla="*/ 1977389 h 3383278"/>
+                  <a:gd name="connsiteX0" fmla="*/ 97146 w 3335646"/>
+                  <a:gd name="connsiteY0" fmla="*/ 1977389 h 3383278"/>
+                  <a:gd name="connsiteX1" fmla="*/ 0 w 3335646"/>
+                  <a:gd name="connsiteY1" fmla="*/ 146686 h 3383278"/>
+                  <a:gd name="connsiteX2" fmla="*/ 1909744 w 3335646"/>
+                  <a:gd name="connsiteY2" fmla="*/ 0 h 3383278"/>
+                  <a:gd name="connsiteX3" fmla="*/ 3335646 w 3335646"/>
+                  <a:gd name="connsiteY3" fmla="*/ 1977389 h 3383278"/>
+                  <a:gd name="connsiteX4" fmla="*/ 2828907 w 3335646"/>
+                  <a:gd name="connsiteY4" fmla="*/ 3383278 h 3383278"/>
+                  <a:gd name="connsiteX5" fmla="*/ 603885 w 3335646"/>
+                  <a:gd name="connsiteY5" fmla="*/ 3383278 h 3383278"/>
+                  <a:gd name="connsiteX6" fmla="*/ 97146 w 3335646"/>
+                  <a:gd name="connsiteY6" fmla="*/ 1977389 h 3383278"/>
+                  <a:gd name="connsiteX0" fmla="*/ 97146 w 3347085"/>
+                  <a:gd name="connsiteY0" fmla="*/ 1977389 h 4750165"/>
+                  <a:gd name="connsiteX1" fmla="*/ 0 w 3347085"/>
+                  <a:gd name="connsiteY1" fmla="*/ 146686 h 4750165"/>
+                  <a:gd name="connsiteX2" fmla="*/ 1909744 w 3347085"/>
+                  <a:gd name="connsiteY2" fmla="*/ 0 h 4750165"/>
+                  <a:gd name="connsiteX3" fmla="*/ 3335646 w 3347085"/>
+                  <a:gd name="connsiteY3" fmla="*/ 1977389 h 4750165"/>
+                  <a:gd name="connsiteX4" fmla="*/ 2828907 w 3347085"/>
+                  <a:gd name="connsiteY4" fmla="*/ 3383278 h 4750165"/>
+                  <a:gd name="connsiteX5" fmla="*/ 3347085 w 3347085"/>
+                  <a:gd name="connsiteY5" fmla="*/ 4750165 h 4750165"/>
+                  <a:gd name="connsiteX6" fmla="*/ 97146 w 3347085"/>
+                  <a:gd name="connsiteY6" fmla="*/ 1977389 h 4750165"/>
+                  <a:gd name="connsiteX0" fmla="*/ 954986 w 3347085"/>
+                  <a:gd name="connsiteY0" fmla="*/ 4456639 h 4750165"/>
+                  <a:gd name="connsiteX1" fmla="*/ 0 w 3347085"/>
+                  <a:gd name="connsiteY1" fmla="*/ 146686 h 4750165"/>
+                  <a:gd name="connsiteX2" fmla="*/ 1909744 w 3347085"/>
+                  <a:gd name="connsiteY2" fmla="*/ 0 h 4750165"/>
+                  <a:gd name="connsiteX3" fmla="*/ 3335646 w 3347085"/>
+                  <a:gd name="connsiteY3" fmla="*/ 1977389 h 4750165"/>
+                  <a:gd name="connsiteX4" fmla="*/ 2828907 w 3347085"/>
+                  <a:gd name="connsiteY4" fmla="*/ 3383278 h 4750165"/>
+                  <a:gd name="connsiteX5" fmla="*/ 3347085 w 3347085"/>
+                  <a:gd name="connsiteY5" fmla="*/ 4750165 h 4750165"/>
+                  <a:gd name="connsiteX6" fmla="*/ 954986 w 3347085"/>
+                  <a:gd name="connsiteY6" fmla="*/ 4456639 h 4750165"/>
+                  <a:gd name="connsiteX0" fmla="*/ 954986 w 3337560"/>
+                  <a:gd name="connsiteY0" fmla="*/ 4456639 h 4702540"/>
+                  <a:gd name="connsiteX1" fmla="*/ 0 w 3337560"/>
+                  <a:gd name="connsiteY1" fmla="*/ 146686 h 4702540"/>
+                  <a:gd name="connsiteX2" fmla="*/ 1909744 w 3337560"/>
+                  <a:gd name="connsiteY2" fmla="*/ 0 h 4702540"/>
+                  <a:gd name="connsiteX3" fmla="*/ 3335646 w 3337560"/>
+                  <a:gd name="connsiteY3" fmla="*/ 1977389 h 4702540"/>
+                  <a:gd name="connsiteX4" fmla="*/ 2828907 w 3337560"/>
+                  <a:gd name="connsiteY4" fmla="*/ 3383278 h 4702540"/>
+                  <a:gd name="connsiteX5" fmla="*/ 3337560 w 3337560"/>
+                  <a:gd name="connsiteY5" fmla="*/ 4702540 h 4702540"/>
+                  <a:gd name="connsiteX6" fmla="*/ 954986 w 3337560"/>
+                  <a:gd name="connsiteY6" fmla="*/ 4456639 h 4702540"/>
+                  <a:gd name="connsiteX0" fmla="*/ 954986 w 3337560"/>
+                  <a:gd name="connsiteY0" fmla="*/ 4456639 h 4702540"/>
+                  <a:gd name="connsiteX1" fmla="*/ 0 w 3337560"/>
+                  <a:gd name="connsiteY1" fmla="*/ 146686 h 4702540"/>
+                  <a:gd name="connsiteX2" fmla="*/ 1909744 w 3337560"/>
+                  <a:gd name="connsiteY2" fmla="*/ 0 h 4702540"/>
+                  <a:gd name="connsiteX3" fmla="*/ 3335646 w 3337560"/>
+                  <a:gd name="connsiteY3" fmla="*/ 1977389 h 4702540"/>
+                  <a:gd name="connsiteX4" fmla="*/ 3038457 w 3337560"/>
+                  <a:gd name="connsiteY4" fmla="*/ 2913378 h 4702540"/>
+                  <a:gd name="connsiteX5" fmla="*/ 3337560 w 3337560"/>
+                  <a:gd name="connsiteY5" fmla="*/ 4702540 h 4702540"/>
+                  <a:gd name="connsiteX6" fmla="*/ 954986 w 3337560"/>
+                  <a:gd name="connsiteY6" fmla="*/ 4456639 h 4702540"/>
+                  <a:gd name="connsiteX0" fmla="*/ 954986 w 3337560"/>
+                  <a:gd name="connsiteY0" fmla="*/ 4456639 h 4702540"/>
+                  <a:gd name="connsiteX1" fmla="*/ 0 w 3337560"/>
+                  <a:gd name="connsiteY1" fmla="*/ 146686 h 4702540"/>
+                  <a:gd name="connsiteX2" fmla="*/ 1909744 w 3337560"/>
+                  <a:gd name="connsiteY2" fmla="*/ 0 h 4702540"/>
+                  <a:gd name="connsiteX3" fmla="*/ 1576696 w 3337560"/>
+                  <a:gd name="connsiteY3" fmla="*/ 3482339 h 4702540"/>
+                  <a:gd name="connsiteX4" fmla="*/ 3038457 w 3337560"/>
+                  <a:gd name="connsiteY4" fmla="*/ 2913378 h 4702540"/>
+                  <a:gd name="connsiteX5" fmla="*/ 3337560 w 3337560"/>
+                  <a:gd name="connsiteY5" fmla="*/ 4702540 h 4702540"/>
+                  <a:gd name="connsiteX6" fmla="*/ 954986 w 3337560"/>
+                  <a:gd name="connsiteY6" fmla="*/ 4456639 h 4702540"/>
+                </a:gdLst>
+                <a:ahLst/>
+                <a:cxnLst>
+                  <a:cxn ang="0">
+                    <a:pos x="connsiteX0" y="connsiteY0"/>
+                  </a:cxn>
+                  <a:cxn ang="0">
+                    <a:pos x="connsiteX1" y="connsiteY1"/>
+                  </a:cxn>
+                  <a:cxn ang="0">
+                    <a:pos x="connsiteX2" y="connsiteY2"/>
+                  </a:cxn>
+                  <a:cxn ang="0">
+                    <a:pos x="connsiteX3" y="connsiteY3"/>
+                  </a:cxn>
+                  <a:cxn ang="0">
+                    <a:pos x="connsiteX4" y="connsiteY4"/>
+                  </a:cxn>
+                  <a:cxn ang="0">
+                    <a:pos x="connsiteX5" y="connsiteY5"/>
+                  </a:cxn>
+                  <a:cxn ang="0">
+                    <a:pos x="connsiteX6" y="connsiteY6"/>
+                  </a:cxn>
+                </a:cxnLst>
+                <a:rect l="l" t="t" r="r" b="b"/>
+                <a:pathLst>
+                  <a:path w="3337560" h="4702540">
+                    <a:moveTo>
+                      <a:pt x="954986" y="4456639"/>
+                    </a:moveTo>
+                    <a:lnTo>
+                      <a:pt x="0" y="146686"/>
+                    </a:lnTo>
+                    <a:lnTo>
+                      <a:pt x="1909744" y="0"/>
+                    </a:lnTo>
+                    <a:lnTo>
+                      <a:pt x="1576696" y="3482339"/>
+                    </a:lnTo>
+                    <a:lnTo>
+                      <a:pt x="3038457" y="2913378"/>
+                    </a:lnTo>
+                    <a:lnTo>
+                      <a:pt x="3337560" y="4702540"/>
+                    </a:lnTo>
+                    <a:lnTo>
+                      <a:pt x="954986" y="4456639"/>
+                    </a:lnTo>
+                    <a:close/>
+                  </a:path>
+                </a:pathLst>
+              </a:custGeom>
+              <a:solidFill>
+                <a:srgbClr val="8155BA"/>
+              </a:solidFill>
+              <a:ln>
+                <a:noFill/>
+              </a:ln>
+            </p:spPr>
+            <p:style>
+              <a:lnRef idx="2">
+                <a:schemeClr val="accent1">
+                  <a:shade val="50000"/>
+                </a:schemeClr>
+              </a:lnRef>
+              <a:fillRef idx="1">
+                <a:schemeClr val="accent1"/>
+              </a:fillRef>
+              <a:effectRef idx="0">
+                <a:schemeClr val="accent1"/>
+              </a:effectRef>
+              <a:fontRef idx="minor">
+                <a:schemeClr val="lt1"/>
+              </a:fontRef>
+            </p:style>
+            <p:txBody>
+              <a:bodyPr rtlCol="0" anchor="ctr"/>
+              <a:lstStyle/>
+              <a:p>
+                <a:pPr algn="ctr"/>
+                <a:endParaRPr lang="en-IN" dirty="0"/>
+              </a:p>
+            </p:txBody>
+          </p:sp>
+        </p:grpSp>
+        <p:sp>
+          <p:nvSpPr>
+            <p:cNvPr id="8" name="TextBox 7">
+              <a:extLst>
+                <a:ext uri="{FF2B5EF4-FFF2-40B4-BE49-F238E27FC236}">
+                  <a16:creationId xmlns:a16="http://schemas.microsoft.com/office/drawing/2014/main" id="{9AC304CC-5E6F-6C72-37F1-784657ED5B4E}"/>
+                </a:ext>
+              </a:extLst>
+            </p:cNvPr>
+            <p:cNvSpPr txBox="1"/>
+            <p:nvPr/>
+          </p:nvSpPr>
+          <p:spPr>
+            <a:xfrm>
+              <a:off x="5719313" y="3348365"/>
+              <a:ext cx="1592103" cy="338554"/>
+            </a:xfrm>
+            <a:prstGeom prst="rect">
+              <a:avLst/>
+            </a:prstGeom>
+            <a:noFill/>
+          </p:spPr>
+          <p:txBody>
+            <a:bodyPr wrap="none" rtlCol="0">
+              <a:spAutoFit/>
+            </a:bodyPr>
+            <a:lstStyle/>
+            <a:p>
+              <a:r>
+                <a:rPr lang="en-US" sz="1600" dirty="0" err="1">
+                  <a:solidFill>
+                    <a:srgbClr val="695E93"/>
+                  </a:solidFill>
+                  <a:latin typeface="Daytona" panose="020B0604030500040204" pitchFamily="34" charset="0"/>
+                </a:rPr>
+                <a:t>Larn</a:t>
+              </a:r>
+              <a:r>
+                <a:rPr lang="en-US" sz="1600" dirty="0">
+                  <a:solidFill>
+                    <a:srgbClr val="695E93"/>
+                  </a:solidFill>
+                  <a:latin typeface="Daytona" panose="020B0604030500040204" pitchFamily="34" charset="0"/>
+                </a:rPr>
+                <a:t> Academy</a:t>
+              </a:r>
+              <a:endParaRPr lang="en-IN" sz="1600" dirty="0">
+                <a:solidFill>
+                  <a:srgbClr val="695E93"/>
+                </a:solidFill>
+                <a:latin typeface="Daytona" panose="020B0604030500040204" pitchFamily="34" charset="0"/>
+              </a:endParaRPr>
+            </a:p>
+          </p:txBody>
+        </p:sp>
+      </p:grpSp>
+      <p:grpSp>
+        <p:nvGrpSpPr>
+          <p:cNvPr id="10" name="Group 9">
+            <a:extLst>
+              <a:ext uri="{FF2B5EF4-FFF2-40B4-BE49-F238E27FC236}">
+                <a16:creationId xmlns:a16="http://schemas.microsoft.com/office/drawing/2014/main" id="{29082BD2-1881-2F15-4CF2-98037BFF7474}"/>
+              </a:ext>
+            </a:extLst>
+          </p:cNvPr>
+          <p:cNvGrpSpPr/>
+          <p:nvPr/>
+        </p:nvGrpSpPr>
+        <p:grpSpPr>
+          <a:xfrm>
+            <a:off x="8673044" y="1937263"/>
+            <a:ext cx="1770753" cy="1770753"/>
+            <a:chOff x="5595526" y="1937263"/>
+            <a:chExt cx="1770753" cy="1770753"/>
+          </a:xfrm>
+        </p:grpSpPr>
+        <p:grpSp>
+          <p:nvGrpSpPr>
+            <p:cNvPr id="11" name="Group 10">
+              <a:extLst>
+                <a:ext uri="{FF2B5EF4-FFF2-40B4-BE49-F238E27FC236}">
+                  <a16:creationId xmlns:a16="http://schemas.microsoft.com/office/drawing/2014/main" id="{16F2594B-2D0C-38CA-BCEE-FD9B8148DCC1}"/>
+                </a:ext>
+              </a:extLst>
+            </p:cNvPr>
+            <p:cNvGrpSpPr/>
+            <p:nvPr/>
+          </p:nvGrpSpPr>
+          <p:grpSpPr>
+            <a:xfrm>
+              <a:off x="5595526" y="1937263"/>
+              <a:ext cx="1770753" cy="1770753"/>
+              <a:chOff x="1748203" y="2055451"/>
+              <a:chExt cx="1770753" cy="1770753"/>
+            </a:xfrm>
+          </p:grpSpPr>
+          <p:sp>
+            <p:nvSpPr>
+              <p:cNvPr id="13" name="Rectangle: Rounded Corners 12">
+                <a:extLst>
+                  <a:ext uri="{FF2B5EF4-FFF2-40B4-BE49-F238E27FC236}">
+                    <a16:creationId xmlns:a16="http://schemas.microsoft.com/office/drawing/2014/main" id="{B5ADA67A-F4DA-D2EB-DAB7-460EF494CC9E}"/>
+                  </a:ext>
+                </a:extLst>
+              </p:cNvPr>
+              <p:cNvSpPr/>
+              <p:nvPr/>
+            </p:nvSpPr>
+            <p:spPr>
+              <a:xfrm>
+                <a:off x="1748203" y="2055451"/>
+                <a:ext cx="1770753" cy="1770753"/>
+              </a:xfrm>
+              <a:prstGeom prst="roundRect">
+                <a:avLst>
+                  <a:gd name="adj" fmla="val 11065"/>
+                </a:avLst>
+              </a:prstGeom>
+              <a:solidFill>
+                <a:schemeClr val="bg1"/>
+              </a:solidFill>
+              <a:ln>
+                <a:solidFill>
+                  <a:srgbClr val="695E93"/>
+                </a:solidFill>
+              </a:ln>
+            </p:spPr>
+            <p:style>
+              <a:lnRef idx="2">
+                <a:schemeClr val="accent1">
+                  <a:shade val="50000"/>
+                </a:schemeClr>
+              </a:lnRef>
+              <a:fillRef idx="1">
+                <a:schemeClr val="accent1"/>
+              </a:fillRef>
+              <a:effectRef idx="0">
+                <a:schemeClr val="accent1"/>
+              </a:effectRef>
+              <a:fontRef idx="minor">
+                <a:schemeClr val="lt1"/>
+              </a:fontRef>
+            </p:style>
+            <p:txBody>
+              <a:bodyPr rtlCol="0" anchor="ctr"/>
+              <a:lstStyle/>
+              <a:p>
+                <a:pPr algn="ctr"/>
+                <a:endParaRPr lang="en-IN" dirty="0">
+                  <a:solidFill>
+                    <a:srgbClr val="8155BA"/>
+                  </a:solidFill>
+                </a:endParaRPr>
+              </a:p>
+            </p:txBody>
+          </p:sp>
+          <p:sp>
+            <p:nvSpPr>
+              <p:cNvPr id="14" name="Hexagon 10">
+                <a:extLst>
+                  <a:ext uri="{FF2B5EF4-FFF2-40B4-BE49-F238E27FC236}">
+                    <a16:creationId xmlns:a16="http://schemas.microsoft.com/office/drawing/2014/main" id="{4B72CC8C-FCFA-36BB-8DA1-E256F5F2BA09}"/>
+                  </a:ext>
+                </a:extLst>
+              </p:cNvPr>
+              <p:cNvSpPr/>
+              <p:nvPr/>
+            </p:nvSpPr>
+            <p:spPr>
+              <a:xfrm>
+                <a:off x="2195008" y="2171395"/>
+                <a:ext cx="877139" cy="1235868"/>
+              </a:xfrm>
+              <a:custGeom>
+                <a:avLst/>
+                <a:gdLst>
+                  <a:gd name="connsiteX0" fmla="*/ 0 w 3238500"/>
+                  <a:gd name="connsiteY0" fmla="*/ 1405890 h 2811780"/>
+                  <a:gd name="connsiteX1" fmla="*/ 506739 w 3238500"/>
+                  <a:gd name="connsiteY1" fmla="*/ 1 h 2811780"/>
+                  <a:gd name="connsiteX2" fmla="*/ 2731761 w 3238500"/>
+                  <a:gd name="connsiteY2" fmla="*/ 1 h 2811780"/>
+                  <a:gd name="connsiteX3" fmla="*/ 3238500 w 3238500"/>
+                  <a:gd name="connsiteY3" fmla="*/ 1405890 h 2811780"/>
+                  <a:gd name="connsiteX4" fmla="*/ 2731761 w 3238500"/>
+                  <a:gd name="connsiteY4" fmla="*/ 2811779 h 2811780"/>
+                  <a:gd name="connsiteX5" fmla="*/ 506739 w 3238500"/>
+                  <a:gd name="connsiteY5" fmla="*/ 2811779 h 2811780"/>
+                  <a:gd name="connsiteX6" fmla="*/ 0 w 3238500"/>
+                  <a:gd name="connsiteY6" fmla="*/ 1405890 h 2811780"/>
+                  <a:gd name="connsiteX0" fmla="*/ 87621 w 3326121"/>
+                  <a:gd name="connsiteY0" fmla="*/ 1802129 h 3208018"/>
+                  <a:gd name="connsiteX1" fmla="*/ 0 w 3326121"/>
+                  <a:gd name="connsiteY1" fmla="*/ 0 h 3208018"/>
+                  <a:gd name="connsiteX2" fmla="*/ 2819382 w 3326121"/>
+                  <a:gd name="connsiteY2" fmla="*/ 396240 h 3208018"/>
+                  <a:gd name="connsiteX3" fmla="*/ 3326121 w 3326121"/>
+                  <a:gd name="connsiteY3" fmla="*/ 1802129 h 3208018"/>
+                  <a:gd name="connsiteX4" fmla="*/ 2819382 w 3326121"/>
+                  <a:gd name="connsiteY4" fmla="*/ 3208018 h 3208018"/>
+                  <a:gd name="connsiteX5" fmla="*/ 594360 w 3326121"/>
+                  <a:gd name="connsiteY5" fmla="*/ 3208018 h 3208018"/>
+                  <a:gd name="connsiteX6" fmla="*/ 87621 w 3326121"/>
+                  <a:gd name="connsiteY6" fmla="*/ 1802129 h 3208018"/>
+                  <a:gd name="connsiteX0" fmla="*/ 94765 w 3333265"/>
+                  <a:gd name="connsiteY0" fmla="*/ 1823560 h 3229449"/>
+                  <a:gd name="connsiteX1" fmla="*/ 0 w 3333265"/>
+                  <a:gd name="connsiteY1" fmla="*/ 0 h 3229449"/>
+                  <a:gd name="connsiteX2" fmla="*/ 2826526 w 3333265"/>
+                  <a:gd name="connsiteY2" fmla="*/ 417671 h 3229449"/>
+                  <a:gd name="connsiteX3" fmla="*/ 3333265 w 3333265"/>
+                  <a:gd name="connsiteY3" fmla="*/ 1823560 h 3229449"/>
+                  <a:gd name="connsiteX4" fmla="*/ 2826526 w 3333265"/>
+                  <a:gd name="connsiteY4" fmla="*/ 3229449 h 3229449"/>
+                  <a:gd name="connsiteX5" fmla="*/ 601504 w 3333265"/>
+                  <a:gd name="connsiteY5" fmla="*/ 3229449 h 3229449"/>
+                  <a:gd name="connsiteX6" fmla="*/ 94765 w 3333265"/>
+                  <a:gd name="connsiteY6" fmla="*/ 1823560 h 3229449"/>
+                  <a:gd name="connsiteX0" fmla="*/ 99527 w 3338027"/>
+                  <a:gd name="connsiteY0" fmla="*/ 1828322 h 3234211"/>
+                  <a:gd name="connsiteX1" fmla="*/ 0 w 3338027"/>
+                  <a:gd name="connsiteY1" fmla="*/ 0 h 3234211"/>
+                  <a:gd name="connsiteX2" fmla="*/ 2831288 w 3338027"/>
+                  <a:gd name="connsiteY2" fmla="*/ 422433 h 3234211"/>
+                  <a:gd name="connsiteX3" fmla="*/ 3338027 w 3338027"/>
+                  <a:gd name="connsiteY3" fmla="*/ 1828322 h 3234211"/>
+                  <a:gd name="connsiteX4" fmla="*/ 2831288 w 3338027"/>
+                  <a:gd name="connsiteY4" fmla="*/ 3234211 h 3234211"/>
+                  <a:gd name="connsiteX5" fmla="*/ 606266 w 3338027"/>
+                  <a:gd name="connsiteY5" fmla="*/ 3234211 h 3234211"/>
+                  <a:gd name="connsiteX6" fmla="*/ 99527 w 3338027"/>
+                  <a:gd name="connsiteY6" fmla="*/ 1828322 h 3234211"/>
+                  <a:gd name="connsiteX0" fmla="*/ 99527 w 3338027"/>
+                  <a:gd name="connsiteY0" fmla="*/ 1977389 h 3383278"/>
+                  <a:gd name="connsiteX1" fmla="*/ 0 w 3338027"/>
+                  <a:gd name="connsiteY1" fmla="*/ 149067 h 3383278"/>
+                  <a:gd name="connsiteX2" fmla="*/ 1912125 w 3338027"/>
+                  <a:gd name="connsiteY2" fmla="*/ 0 h 3383278"/>
+                  <a:gd name="connsiteX3" fmla="*/ 3338027 w 3338027"/>
+                  <a:gd name="connsiteY3" fmla="*/ 1977389 h 3383278"/>
+                  <a:gd name="connsiteX4" fmla="*/ 2831288 w 3338027"/>
+                  <a:gd name="connsiteY4" fmla="*/ 3383278 h 3383278"/>
+                  <a:gd name="connsiteX5" fmla="*/ 606266 w 3338027"/>
+                  <a:gd name="connsiteY5" fmla="*/ 3383278 h 3383278"/>
+                  <a:gd name="connsiteX6" fmla="*/ 99527 w 3338027"/>
+                  <a:gd name="connsiteY6" fmla="*/ 1977389 h 3383278"/>
+                  <a:gd name="connsiteX0" fmla="*/ 97146 w 3335646"/>
+                  <a:gd name="connsiteY0" fmla="*/ 1977389 h 3383278"/>
+                  <a:gd name="connsiteX1" fmla="*/ 0 w 3335646"/>
+                  <a:gd name="connsiteY1" fmla="*/ 146686 h 3383278"/>
+                  <a:gd name="connsiteX2" fmla="*/ 1909744 w 3335646"/>
+                  <a:gd name="connsiteY2" fmla="*/ 0 h 3383278"/>
+                  <a:gd name="connsiteX3" fmla="*/ 3335646 w 3335646"/>
+                  <a:gd name="connsiteY3" fmla="*/ 1977389 h 3383278"/>
+                  <a:gd name="connsiteX4" fmla="*/ 2828907 w 3335646"/>
+                  <a:gd name="connsiteY4" fmla="*/ 3383278 h 3383278"/>
+                  <a:gd name="connsiteX5" fmla="*/ 603885 w 3335646"/>
+                  <a:gd name="connsiteY5" fmla="*/ 3383278 h 3383278"/>
+                  <a:gd name="connsiteX6" fmla="*/ 97146 w 3335646"/>
+                  <a:gd name="connsiteY6" fmla="*/ 1977389 h 3383278"/>
+                  <a:gd name="connsiteX0" fmla="*/ 97146 w 3347085"/>
+                  <a:gd name="connsiteY0" fmla="*/ 1977389 h 4750165"/>
+                  <a:gd name="connsiteX1" fmla="*/ 0 w 3347085"/>
+                  <a:gd name="connsiteY1" fmla="*/ 146686 h 4750165"/>
+                  <a:gd name="connsiteX2" fmla="*/ 1909744 w 3347085"/>
+                  <a:gd name="connsiteY2" fmla="*/ 0 h 4750165"/>
+                  <a:gd name="connsiteX3" fmla="*/ 3335646 w 3347085"/>
+                  <a:gd name="connsiteY3" fmla="*/ 1977389 h 4750165"/>
+                  <a:gd name="connsiteX4" fmla="*/ 2828907 w 3347085"/>
+                  <a:gd name="connsiteY4" fmla="*/ 3383278 h 4750165"/>
+                  <a:gd name="connsiteX5" fmla="*/ 3347085 w 3347085"/>
+                  <a:gd name="connsiteY5" fmla="*/ 4750165 h 4750165"/>
+                  <a:gd name="connsiteX6" fmla="*/ 97146 w 3347085"/>
+                  <a:gd name="connsiteY6" fmla="*/ 1977389 h 4750165"/>
+                  <a:gd name="connsiteX0" fmla="*/ 954986 w 3347085"/>
+                  <a:gd name="connsiteY0" fmla="*/ 4456639 h 4750165"/>
+                  <a:gd name="connsiteX1" fmla="*/ 0 w 3347085"/>
+                  <a:gd name="connsiteY1" fmla="*/ 146686 h 4750165"/>
+                  <a:gd name="connsiteX2" fmla="*/ 1909744 w 3347085"/>
+                  <a:gd name="connsiteY2" fmla="*/ 0 h 4750165"/>
+                  <a:gd name="connsiteX3" fmla="*/ 3335646 w 3347085"/>
+                  <a:gd name="connsiteY3" fmla="*/ 1977389 h 4750165"/>
+                  <a:gd name="connsiteX4" fmla="*/ 2828907 w 3347085"/>
+                  <a:gd name="connsiteY4" fmla="*/ 3383278 h 4750165"/>
+                  <a:gd name="connsiteX5" fmla="*/ 3347085 w 3347085"/>
+                  <a:gd name="connsiteY5" fmla="*/ 4750165 h 4750165"/>
+                  <a:gd name="connsiteX6" fmla="*/ 954986 w 3347085"/>
+                  <a:gd name="connsiteY6" fmla="*/ 4456639 h 4750165"/>
+                  <a:gd name="connsiteX0" fmla="*/ 954986 w 3337560"/>
+                  <a:gd name="connsiteY0" fmla="*/ 4456639 h 4702540"/>
+                  <a:gd name="connsiteX1" fmla="*/ 0 w 3337560"/>
+                  <a:gd name="connsiteY1" fmla="*/ 146686 h 4702540"/>
+                  <a:gd name="connsiteX2" fmla="*/ 1909744 w 3337560"/>
+                  <a:gd name="connsiteY2" fmla="*/ 0 h 4702540"/>
+                  <a:gd name="connsiteX3" fmla="*/ 3335646 w 3337560"/>
+                  <a:gd name="connsiteY3" fmla="*/ 1977389 h 4702540"/>
+                  <a:gd name="connsiteX4" fmla="*/ 2828907 w 3337560"/>
+                  <a:gd name="connsiteY4" fmla="*/ 3383278 h 4702540"/>
+                  <a:gd name="connsiteX5" fmla="*/ 3337560 w 3337560"/>
+                  <a:gd name="connsiteY5" fmla="*/ 4702540 h 4702540"/>
+                  <a:gd name="connsiteX6" fmla="*/ 954986 w 3337560"/>
+                  <a:gd name="connsiteY6" fmla="*/ 4456639 h 4702540"/>
+                  <a:gd name="connsiteX0" fmla="*/ 954986 w 3337560"/>
+                  <a:gd name="connsiteY0" fmla="*/ 4456639 h 4702540"/>
+                  <a:gd name="connsiteX1" fmla="*/ 0 w 3337560"/>
+                  <a:gd name="connsiteY1" fmla="*/ 146686 h 4702540"/>
+                  <a:gd name="connsiteX2" fmla="*/ 1909744 w 3337560"/>
+                  <a:gd name="connsiteY2" fmla="*/ 0 h 4702540"/>
+                  <a:gd name="connsiteX3" fmla="*/ 3335646 w 3337560"/>
+                  <a:gd name="connsiteY3" fmla="*/ 1977389 h 4702540"/>
+                  <a:gd name="connsiteX4" fmla="*/ 3038457 w 3337560"/>
+                  <a:gd name="connsiteY4" fmla="*/ 2913378 h 4702540"/>
+                  <a:gd name="connsiteX5" fmla="*/ 3337560 w 3337560"/>
+                  <a:gd name="connsiteY5" fmla="*/ 4702540 h 4702540"/>
+                  <a:gd name="connsiteX6" fmla="*/ 954986 w 3337560"/>
+                  <a:gd name="connsiteY6" fmla="*/ 4456639 h 4702540"/>
+                  <a:gd name="connsiteX0" fmla="*/ 954986 w 3337560"/>
+                  <a:gd name="connsiteY0" fmla="*/ 4456639 h 4702540"/>
+                  <a:gd name="connsiteX1" fmla="*/ 0 w 3337560"/>
+                  <a:gd name="connsiteY1" fmla="*/ 146686 h 4702540"/>
+                  <a:gd name="connsiteX2" fmla="*/ 1909744 w 3337560"/>
+                  <a:gd name="connsiteY2" fmla="*/ 0 h 4702540"/>
+                  <a:gd name="connsiteX3" fmla="*/ 1576696 w 3337560"/>
+                  <a:gd name="connsiteY3" fmla="*/ 3482339 h 4702540"/>
+                  <a:gd name="connsiteX4" fmla="*/ 3038457 w 3337560"/>
+                  <a:gd name="connsiteY4" fmla="*/ 2913378 h 4702540"/>
+                  <a:gd name="connsiteX5" fmla="*/ 3337560 w 3337560"/>
+                  <a:gd name="connsiteY5" fmla="*/ 4702540 h 4702540"/>
+                  <a:gd name="connsiteX6" fmla="*/ 954986 w 3337560"/>
+                  <a:gd name="connsiteY6" fmla="*/ 4456639 h 4702540"/>
+                </a:gdLst>
+                <a:ahLst/>
+                <a:cxnLst>
+                  <a:cxn ang="0">
+                    <a:pos x="connsiteX0" y="connsiteY0"/>
+                  </a:cxn>
+                  <a:cxn ang="0">
+                    <a:pos x="connsiteX1" y="connsiteY1"/>
+                  </a:cxn>
+                  <a:cxn ang="0">
+                    <a:pos x="connsiteX2" y="connsiteY2"/>
+                  </a:cxn>
+                  <a:cxn ang="0">
+                    <a:pos x="connsiteX3" y="connsiteY3"/>
+                  </a:cxn>
+                  <a:cxn ang="0">
+                    <a:pos x="connsiteX4" y="connsiteY4"/>
+                  </a:cxn>
+                  <a:cxn ang="0">
+                    <a:pos x="connsiteX5" y="connsiteY5"/>
+                  </a:cxn>
+                  <a:cxn ang="0">
+                    <a:pos x="connsiteX6" y="connsiteY6"/>
+                  </a:cxn>
+                </a:cxnLst>
+                <a:rect l="l" t="t" r="r" b="b"/>
+                <a:pathLst>
+                  <a:path w="3337560" h="4702540">
+                    <a:moveTo>
+                      <a:pt x="954986" y="4456639"/>
+                    </a:moveTo>
+                    <a:lnTo>
+                      <a:pt x="0" y="146686"/>
+                    </a:lnTo>
+                    <a:lnTo>
+                      <a:pt x="1909744" y="0"/>
+                    </a:lnTo>
+                    <a:lnTo>
+                      <a:pt x="1576696" y="3482339"/>
+                    </a:lnTo>
+                    <a:lnTo>
+                      <a:pt x="3038457" y="2913378"/>
+                    </a:lnTo>
+                    <a:lnTo>
+                      <a:pt x="3337560" y="4702540"/>
+                    </a:lnTo>
+                    <a:lnTo>
+                      <a:pt x="954986" y="4456639"/>
+                    </a:lnTo>
+                    <a:close/>
+                  </a:path>
+                </a:pathLst>
+              </a:custGeom>
+              <a:solidFill>
+                <a:srgbClr val="8155BA"/>
+              </a:solidFill>
+              <a:ln>
+                <a:noFill/>
+              </a:ln>
+            </p:spPr>
+            <p:style>
+              <a:lnRef idx="2">
+                <a:schemeClr val="accent1">
+                  <a:shade val="50000"/>
+                </a:schemeClr>
+              </a:lnRef>
+              <a:fillRef idx="1">
+                <a:schemeClr val="accent1"/>
+              </a:fillRef>
+              <a:effectRef idx="0">
+                <a:schemeClr val="accent1"/>
+              </a:effectRef>
+              <a:fontRef idx="minor">
+                <a:schemeClr val="lt1"/>
+              </a:fontRef>
+            </p:style>
+            <p:txBody>
+              <a:bodyPr rtlCol="0" anchor="ctr"/>
+              <a:lstStyle/>
+              <a:p>
+                <a:pPr algn="ctr"/>
+                <a:endParaRPr lang="en-IN" dirty="0"/>
+              </a:p>
+            </p:txBody>
+          </p:sp>
+        </p:grpSp>
+        <p:sp>
+          <p:nvSpPr>
+            <p:cNvPr id="12" name="TextBox 11">
+              <a:extLst>
+                <a:ext uri="{FF2B5EF4-FFF2-40B4-BE49-F238E27FC236}">
+                  <a16:creationId xmlns:a16="http://schemas.microsoft.com/office/drawing/2014/main" id="{B23BA710-4540-044A-97D4-714BBFCE54CC}"/>
+                </a:ext>
+              </a:extLst>
+            </p:cNvPr>
+            <p:cNvSpPr txBox="1"/>
+            <p:nvPr/>
+          </p:nvSpPr>
+          <p:spPr>
+            <a:xfrm>
+              <a:off x="5719313" y="3348365"/>
+              <a:ext cx="1592103" cy="338554"/>
+            </a:xfrm>
+            <a:prstGeom prst="rect">
+              <a:avLst/>
+            </a:prstGeom>
+            <a:noFill/>
+          </p:spPr>
+          <p:txBody>
+            <a:bodyPr wrap="none" rtlCol="0">
+              <a:spAutoFit/>
+            </a:bodyPr>
+            <a:lstStyle/>
+            <a:p>
+              <a:r>
+                <a:rPr lang="en-US" sz="1600" dirty="0" err="1">
+                  <a:solidFill>
+                    <a:srgbClr val="695E93"/>
+                  </a:solidFill>
+                  <a:latin typeface="Daytona" panose="020B0604030500040204" pitchFamily="34" charset="0"/>
+                </a:rPr>
+                <a:t>Larn</a:t>
+              </a:r>
+              <a:r>
+                <a:rPr lang="en-US" sz="1600" dirty="0">
+                  <a:solidFill>
+                    <a:srgbClr val="695E93"/>
+                  </a:solidFill>
+                  <a:latin typeface="Daytona" panose="020B0604030500040204" pitchFamily="34" charset="0"/>
+                </a:rPr>
+                <a:t> Academy</a:t>
+              </a:r>
+              <a:endParaRPr lang="en-IN" sz="1600" dirty="0">
+                <a:solidFill>
+                  <a:srgbClr val="695E93"/>
+                </a:solidFill>
+                <a:latin typeface="Daytona" panose="020B0604030500040204" pitchFamily="34" charset="0"/>
+              </a:endParaRPr>
             </a:p>
           </p:txBody>
         </p:sp>

--- a/logos/LOGO_.pptx
+++ b/logos/LOGO_.pptx
@@ -5213,6 +5213,344 @@
           </p:txBody>
         </p:sp>
       </p:grpSp>
+      <p:grpSp>
+        <p:nvGrpSpPr>
+          <p:cNvPr id="18" name="Group 17">
+            <a:extLst>
+              <a:ext uri="{FF2B5EF4-FFF2-40B4-BE49-F238E27FC236}">
+                <a16:creationId xmlns:a16="http://schemas.microsoft.com/office/drawing/2014/main" id="{74068F8E-5059-25FD-0DB5-20ADE2D4CF9E}"/>
+              </a:ext>
+            </a:extLst>
+          </p:cNvPr>
+          <p:cNvGrpSpPr/>
+          <p:nvPr/>
+        </p:nvGrpSpPr>
+        <p:grpSpPr>
+          <a:xfrm>
+            <a:off x="4136840" y="4453419"/>
+            <a:ext cx="1770753" cy="1770753"/>
+            <a:chOff x="4136840" y="4453419"/>
+            <a:chExt cx="1770753" cy="1770753"/>
+          </a:xfrm>
+        </p:grpSpPr>
+        <p:sp>
+          <p:nvSpPr>
+            <p:cNvPr id="16" name="Rectangle: Rounded Corners 15">
+              <a:extLst>
+                <a:ext uri="{FF2B5EF4-FFF2-40B4-BE49-F238E27FC236}">
+                  <a16:creationId xmlns:a16="http://schemas.microsoft.com/office/drawing/2014/main" id="{248101DB-AA30-300F-5F40-7B675A9B6A01}"/>
+                </a:ext>
+              </a:extLst>
+            </p:cNvPr>
+            <p:cNvSpPr/>
+            <p:nvPr/>
+          </p:nvSpPr>
+          <p:spPr>
+            <a:xfrm>
+              <a:off x="4136840" y="4453419"/>
+              <a:ext cx="1770753" cy="1770753"/>
+            </a:xfrm>
+            <a:prstGeom prst="roundRect">
+              <a:avLst>
+                <a:gd name="adj" fmla="val 50000"/>
+              </a:avLst>
+            </a:prstGeom>
+            <a:solidFill>
+              <a:srgbClr val="8155BA"/>
+            </a:solidFill>
+            <a:ln>
+              <a:noFill/>
+            </a:ln>
+          </p:spPr>
+          <p:style>
+            <a:lnRef idx="2">
+              <a:schemeClr val="accent1">
+                <a:shade val="50000"/>
+              </a:schemeClr>
+            </a:lnRef>
+            <a:fillRef idx="1">
+              <a:schemeClr val="accent1"/>
+            </a:fillRef>
+            <a:effectRef idx="0">
+              <a:schemeClr val="accent1"/>
+            </a:effectRef>
+            <a:fontRef idx="minor">
+              <a:schemeClr val="lt1"/>
+            </a:fontRef>
+          </p:style>
+          <p:txBody>
+            <a:bodyPr rtlCol="0" anchor="ctr"/>
+            <a:lstStyle/>
+            <a:p>
+              <a:pPr algn="ctr"/>
+              <a:endParaRPr lang="en-IN">
+                <a:solidFill>
+                  <a:srgbClr val="8155BA"/>
+                </a:solidFill>
+              </a:endParaRPr>
+            </a:p>
+          </p:txBody>
+        </p:sp>
+        <p:sp>
+          <p:nvSpPr>
+            <p:cNvPr id="17" name="Hexagon 10">
+              <a:extLst>
+                <a:ext uri="{FF2B5EF4-FFF2-40B4-BE49-F238E27FC236}">
+                  <a16:creationId xmlns:a16="http://schemas.microsoft.com/office/drawing/2014/main" id="{21F784F7-1A03-63A1-D380-CA969D4DA03F}"/>
+                </a:ext>
+              </a:extLst>
+            </p:cNvPr>
+            <p:cNvSpPr/>
+            <p:nvPr/>
+          </p:nvSpPr>
+          <p:spPr>
+            <a:xfrm>
+              <a:off x="4577024" y="4711531"/>
+              <a:ext cx="890383" cy="1254528"/>
+            </a:xfrm>
+            <a:custGeom>
+              <a:avLst/>
+              <a:gdLst>
+                <a:gd name="connsiteX0" fmla="*/ 0 w 3238500"/>
+                <a:gd name="connsiteY0" fmla="*/ 1405890 h 2811780"/>
+                <a:gd name="connsiteX1" fmla="*/ 506739 w 3238500"/>
+                <a:gd name="connsiteY1" fmla="*/ 1 h 2811780"/>
+                <a:gd name="connsiteX2" fmla="*/ 2731761 w 3238500"/>
+                <a:gd name="connsiteY2" fmla="*/ 1 h 2811780"/>
+                <a:gd name="connsiteX3" fmla="*/ 3238500 w 3238500"/>
+                <a:gd name="connsiteY3" fmla="*/ 1405890 h 2811780"/>
+                <a:gd name="connsiteX4" fmla="*/ 2731761 w 3238500"/>
+                <a:gd name="connsiteY4" fmla="*/ 2811779 h 2811780"/>
+                <a:gd name="connsiteX5" fmla="*/ 506739 w 3238500"/>
+                <a:gd name="connsiteY5" fmla="*/ 2811779 h 2811780"/>
+                <a:gd name="connsiteX6" fmla="*/ 0 w 3238500"/>
+                <a:gd name="connsiteY6" fmla="*/ 1405890 h 2811780"/>
+                <a:gd name="connsiteX0" fmla="*/ 87621 w 3326121"/>
+                <a:gd name="connsiteY0" fmla="*/ 1802129 h 3208018"/>
+                <a:gd name="connsiteX1" fmla="*/ 0 w 3326121"/>
+                <a:gd name="connsiteY1" fmla="*/ 0 h 3208018"/>
+                <a:gd name="connsiteX2" fmla="*/ 2819382 w 3326121"/>
+                <a:gd name="connsiteY2" fmla="*/ 396240 h 3208018"/>
+                <a:gd name="connsiteX3" fmla="*/ 3326121 w 3326121"/>
+                <a:gd name="connsiteY3" fmla="*/ 1802129 h 3208018"/>
+                <a:gd name="connsiteX4" fmla="*/ 2819382 w 3326121"/>
+                <a:gd name="connsiteY4" fmla="*/ 3208018 h 3208018"/>
+                <a:gd name="connsiteX5" fmla="*/ 594360 w 3326121"/>
+                <a:gd name="connsiteY5" fmla="*/ 3208018 h 3208018"/>
+                <a:gd name="connsiteX6" fmla="*/ 87621 w 3326121"/>
+                <a:gd name="connsiteY6" fmla="*/ 1802129 h 3208018"/>
+                <a:gd name="connsiteX0" fmla="*/ 94765 w 3333265"/>
+                <a:gd name="connsiteY0" fmla="*/ 1823560 h 3229449"/>
+                <a:gd name="connsiteX1" fmla="*/ 0 w 3333265"/>
+                <a:gd name="connsiteY1" fmla="*/ 0 h 3229449"/>
+                <a:gd name="connsiteX2" fmla="*/ 2826526 w 3333265"/>
+                <a:gd name="connsiteY2" fmla="*/ 417671 h 3229449"/>
+                <a:gd name="connsiteX3" fmla="*/ 3333265 w 3333265"/>
+                <a:gd name="connsiteY3" fmla="*/ 1823560 h 3229449"/>
+                <a:gd name="connsiteX4" fmla="*/ 2826526 w 3333265"/>
+                <a:gd name="connsiteY4" fmla="*/ 3229449 h 3229449"/>
+                <a:gd name="connsiteX5" fmla="*/ 601504 w 3333265"/>
+                <a:gd name="connsiteY5" fmla="*/ 3229449 h 3229449"/>
+                <a:gd name="connsiteX6" fmla="*/ 94765 w 3333265"/>
+                <a:gd name="connsiteY6" fmla="*/ 1823560 h 3229449"/>
+                <a:gd name="connsiteX0" fmla="*/ 99527 w 3338027"/>
+                <a:gd name="connsiteY0" fmla="*/ 1828322 h 3234211"/>
+                <a:gd name="connsiteX1" fmla="*/ 0 w 3338027"/>
+                <a:gd name="connsiteY1" fmla="*/ 0 h 3234211"/>
+                <a:gd name="connsiteX2" fmla="*/ 2831288 w 3338027"/>
+                <a:gd name="connsiteY2" fmla="*/ 422433 h 3234211"/>
+                <a:gd name="connsiteX3" fmla="*/ 3338027 w 3338027"/>
+                <a:gd name="connsiteY3" fmla="*/ 1828322 h 3234211"/>
+                <a:gd name="connsiteX4" fmla="*/ 2831288 w 3338027"/>
+                <a:gd name="connsiteY4" fmla="*/ 3234211 h 3234211"/>
+                <a:gd name="connsiteX5" fmla="*/ 606266 w 3338027"/>
+                <a:gd name="connsiteY5" fmla="*/ 3234211 h 3234211"/>
+                <a:gd name="connsiteX6" fmla="*/ 99527 w 3338027"/>
+                <a:gd name="connsiteY6" fmla="*/ 1828322 h 3234211"/>
+                <a:gd name="connsiteX0" fmla="*/ 99527 w 3338027"/>
+                <a:gd name="connsiteY0" fmla="*/ 1977389 h 3383278"/>
+                <a:gd name="connsiteX1" fmla="*/ 0 w 3338027"/>
+                <a:gd name="connsiteY1" fmla="*/ 149067 h 3383278"/>
+                <a:gd name="connsiteX2" fmla="*/ 1912125 w 3338027"/>
+                <a:gd name="connsiteY2" fmla="*/ 0 h 3383278"/>
+                <a:gd name="connsiteX3" fmla="*/ 3338027 w 3338027"/>
+                <a:gd name="connsiteY3" fmla="*/ 1977389 h 3383278"/>
+                <a:gd name="connsiteX4" fmla="*/ 2831288 w 3338027"/>
+                <a:gd name="connsiteY4" fmla="*/ 3383278 h 3383278"/>
+                <a:gd name="connsiteX5" fmla="*/ 606266 w 3338027"/>
+                <a:gd name="connsiteY5" fmla="*/ 3383278 h 3383278"/>
+                <a:gd name="connsiteX6" fmla="*/ 99527 w 3338027"/>
+                <a:gd name="connsiteY6" fmla="*/ 1977389 h 3383278"/>
+                <a:gd name="connsiteX0" fmla="*/ 97146 w 3335646"/>
+                <a:gd name="connsiteY0" fmla="*/ 1977389 h 3383278"/>
+                <a:gd name="connsiteX1" fmla="*/ 0 w 3335646"/>
+                <a:gd name="connsiteY1" fmla="*/ 146686 h 3383278"/>
+                <a:gd name="connsiteX2" fmla="*/ 1909744 w 3335646"/>
+                <a:gd name="connsiteY2" fmla="*/ 0 h 3383278"/>
+                <a:gd name="connsiteX3" fmla="*/ 3335646 w 3335646"/>
+                <a:gd name="connsiteY3" fmla="*/ 1977389 h 3383278"/>
+                <a:gd name="connsiteX4" fmla="*/ 2828907 w 3335646"/>
+                <a:gd name="connsiteY4" fmla="*/ 3383278 h 3383278"/>
+                <a:gd name="connsiteX5" fmla="*/ 603885 w 3335646"/>
+                <a:gd name="connsiteY5" fmla="*/ 3383278 h 3383278"/>
+                <a:gd name="connsiteX6" fmla="*/ 97146 w 3335646"/>
+                <a:gd name="connsiteY6" fmla="*/ 1977389 h 3383278"/>
+                <a:gd name="connsiteX0" fmla="*/ 97146 w 3347085"/>
+                <a:gd name="connsiteY0" fmla="*/ 1977389 h 4750165"/>
+                <a:gd name="connsiteX1" fmla="*/ 0 w 3347085"/>
+                <a:gd name="connsiteY1" fmla="*/ 146686 h 4750165"/>
+                <a:gd name="connsiteX2" fmla="*/ 1909744 w 3347085"/>
+                <a:gd name="connsiteY2" fmla="*/ 0 h 4750165"/>
+                <a:gd name="connsiteX3" fmla="*/ 3335646 w 3347085"/>
+                <a:gd name="connsiteY3" fmla="*/ 1977389 h 4750165"/>
+                <a:gd name="connsiteX4" fmla="*/ 2828907 w 3347085"/>
+                <a:gd name="connsiteY4" fmla="*/ 3383278 h 4750165"/>
+                <a:gd name="connsiteX5" fmla="*/ 3347085 w 3347085"/>
+                <a:gd name="connsiteY5" fmla="*/ 4750165 h 4750165"/>
+                <a:gd name="connsiteX6" fmla="*/ 97146 w 3347085"/>
+                <a:gd name="connsiteY6" fmla="*/ 1977389 h 4750165"/>
+                <a:gd name="connsiteX0" fmla="*/ 954986 w 3347085"/>
+                <a:gd name="connsiteY0" fmla="*/ 4456639 h 4750165"/>
+                <a:gd name="connsiteX1" fmla="*/ 0 w 3347085"/>
+                <a:gd name="connsiteY1" fmla="*/ 146686 h 4750165"/>
+                <a:gd name="connsiteX2" fmla="*/ 1909744 w 3347085"/>
+                <a:gd name="connsiteY2" fmla="*/ 0 h 4750165"/>
+                <a:gd name="connsiteX3" fmla="*/ 3335646 w 3347085"/>
+                <a:gd name="connsiteY3" fmla="*/ 1977389 h 4750165"/>
+                <a:gd name="connsiteX4" fmla="*/ 2828907 w 3347085"/>
+                <a:gd name="connsiteY4" fmla="*/ 3383278 h 4750165"/>
+                <a:gd name="connsiteX5" fmla="*/ 3347085 w 3347085"/>
+                <a:gd name="connsiteY5" fmla="*/ 4750165 h 4750165"/>
+                <a:gd name="connsiteX6" fmla="*/ 954986 w 3347085"/>
+                <a:gd name="connsiteY6" fmla="*/ 4456639 h 4750165"/>
+                <a:gd name="connsiteX0" fmla="*/ 954986 w 3337560"/>
+                <a:gd name="connsiteY0" fmla="*/ 4456639 h 4702540"/>
+                <a:gd name="connsiteX1" fmla="*/ 0 w 3337560"/>
+                <a:gd name="connsiteY1" fmla="*/ 146686 h 4702540"/>
+                <a:gd name="connsiteX2" fmla="*/ 1909744 w 3337560"/>
+                <a:gd name="connsiteY2" fmla="*/ 0 h 4702540"/>
+                <a:gd name="connsiteX3" fmla="*/ 3335646 w 3337560"/>
+                <a:gd name="connsiteY3" fmla="*/ 1977389 h 4702540"/>
+                <a:gd name="connsiteX4" fmla="*/ 2828907 w 3337560"/>
+                <a:gd name="connsiteY4" fmla="*/ 3383278 h 4702540"/>
+                <a:gd name="connsiteX5" fmla="*/ 3337560 w 3337560"/>
+                <a:gd name="connsiteY5" fmla="*/ 4702540 h 4702540"/>
+                <a:gd name="connsiteX6" fmla="*/ 954986 w 3337560"/>
+                <a:gd name="connsiteY6" fmla="*/ 4456639 h 4702540"/>
+                <a:gd name="connsiteX0" fmla="*/ 954986 w 3337560"/>
+                <a:gd name="connsiteY0" fmla="*/ 4456639 h 4702540"/>
+                <a:gd name="connsiteX1" fmla="*/ 0 w 3337560"/>
+                <a:gd name="connsiteY1" fmla="*/ 146686 h 4702540"/>
+                <a:gd name="connsiteX2" fmla="*/ 1909744 w 3337560"/>
+                <a:gd name="connsiteY2" fmla="*/ 0 h 4702540"/>
+                <a:gd name="connsiteX3" fmla="*/ 3335646 w 3337560"/>
+                <a:gd name="connsiteY3" fmla="*/ 1977389 h 4702540"/>
+                <a:gd name="connsiteX4" fmla="*/ 3038457 w 3337560"/>
+                <a:gd name="connsiteY4" fmla="*/ 2913378 h 4702540"/>
+                <a:gd name="connsiteX5" fmla="*/ 3337560 w 3337560"/>
+                <a:gd name="connsiteY5" fmla="*/ 4702540 h 4702540"/>
+                <a:gd name="connsiteX6" fmla="*/ 954986 w 3337560"/>
+                <a:gd name="connsiteY6" fmla="*/ 4456639 h 4702540"/>
+                <a:gd name="connsiteX0" fmla="*/ 954986 w 3337560"/>
+                <a:gd name="connsiteY0" fmla="*/ 4456639 h 4702540"/>
+                <a:gd name="connsiteX1" fmla="*/ 0 w 3337560"/>
+                <a:gd name="connsiteY1" fmla="*/ 146686 h 4702540"/>
+                <a:gd name="connsiteX2" fmla="*/ 1909744 w 3337560"/>
+                <a:gd name="connsiteY2" fmla="*/ 0 h 4702540"/>
+                <a:gd name="connsiteX3" fmla="*/ 1576696 w 3337560"/>
+                <a:gd name="connsiteY3" fmla="*/ 3482339 h 4702540"/>
+                <a:gd name="connsiteX4" fmla="*/ 3038457 w 3337560"/>
+                <a:gd name="connsiteY4" fmla="*/ 2913378 h 4702540"/>
+                <a:gd name="connsiteX5" fmla="*/ 3337560 w 3337560"/>
+                <a:gd name="connsiteY5" fmla="*/ 4702540 h 4702540"/>
+                <a:gd name="connsiteX6" fmla="*/ 954986 w 3337560"/>
+                <a:gd name="connsiteY6" fmla="*/ 4456639 h 4702540"/>
+              </a:gdLst>
+              <a:ahLst/>
+              <a:cxnLst>
+                <a:cxn ang="0">
+                  <a:pos x="connsiteX0" y="connsiteY0"/>
+                </a:cxn>
+                <a:cxn ang="0">
+                  <a:pos x="connsiteX1" y="connsiteY1"/>
+                </a:cxn>
+                <a:cxn ang="0">
+                  <a:pos x="connsiteX2" y="connsiteY2"/>
+                </a:cxn>
+                <a:cxn ang="0">
+                  <a:pos x="connsiteX3" y="connsiteY3"/>
+                </a:cxn>
+                <a:cxn ang="0">
+                  <a:pos x="connsiteX4" y="connsiteY4"/>
+                </a:cxn>
+                <a:cxn ang="0">
+                  <a:pos x="connsiteX5" y="connsiteY5"/>
+                </a:cxn>
+                <a:cxn ang="0">
+                  <a:pos x="connsiteX6" y="connsiteY6"/>
+                </a:cxn>
+              </a:cxnLst>
+              <a:rect l="l" t="t" r="r" b="b"/>
+              <a:pathLst>
+                <a:path w="3337560" h="4702540">
+                  <a:moveTo>
+                    <a:pt x="954986" y="4456639"/>
+                  </a:moveTo>
+                  <a:lnTo>
+                    <a:pt x="0" y="146686"/>
+                  </a:lnTo>
+                  <a:lnTo>
+                    <a:pt x="1909744" y="0"/>
+                  </a:lnTo>
+                  <a:lnTo>
+                    <a:pt x="1576696" y="3482339"/>
+                  </a:lnTo>
+                  <a:lnTo>
+                    <a:pt x="3038457" y="2913378"/>
+                  </a:lnTo>
+                  <a:lnTo>
+                    <a:pt x="3337560" y="4702540"/>
+                  </a:lnTo>
+                  <a:lnTo>
+                    <a:pt x="954986" y="4456639"/>
+                  </a:lnTo>
+                  <a:close/>
+                </a:path>
+              </a:pathLst>
+            </a:custGeom>
+            <a:solidFill>
+              <a:schemeClr val="bg1"/>
+            </a:solidFill>
+            <a:ln>
+              <a:noFill/>
+            </a:ln>
+          </p:spPr>
+          <p:style>
+            <a:lnRef idx="2">
+              <a:schemeClr val="accent1">
+                <a:shade val="50000"/>
+              </a:schemeClr>
+            </a:lnRef>
+            <a:fillRef idx="1">
+              <a:schemeClr val="accent1"/>
+            </a:fillRef>
+            <a:effectRef idx="0">
+              <a:schemeClr val="accent1"/>
+            </a:effectRef>
+            <a:fontRef idx="minor">
+              <a:schemeClr val="lt1"/>
+            </a:fontRef>
+          </p:style>
+          <p:txBody>
+            <a:bodyPr rtlCol="0" anchor="ctr"/>
+            <a:lstStyle/>
+            <a:p>
+              <a:pPr algn="ctr"/>
+              <a:endParaRPr lang="en-IN" dirty="0"/>
+            </a:p>
+          </p:txBody>
+        </p:sp>
+      </p:grpSp>
     </p:spTree>
     <p:extLst>
       <p:ext uri="{BB962C8B-B14F-4D97-AF65-F5344CB8AC3E}">
